--- a/ppt.pptx
+++ b/ppt.pptx
@@ -202,6 +202,7 @@
           <a:p>
             <a:fld id="{2C40A883-D45C-4171-8044-165CA5B0C12A}" type="datetimeFigureOut">
               <a:rPr lang="en-US" smtClean="0"/>
+              <a:pPr/>
               <a:t>8/28/2025</a:t>
             </a:fld>
             <a:endParaRPr lang="en-US"/>
@@ -363,6 +364,7 @@
           <a:p>
             <a:fld id="{8EE81423-CE7C-4B21-8B86-67C8CA0A38A2}" type="slidenum">
               <a:rPr lang="en-US" smtClean="0"/>
+              <a:pPr/>
               <a:t>‹#›</a:t>
             </a:fld>
             <a:endParaRPr lang="en-US"/>
@@ -534,6 +536,7 @@
           <a:p>
             <a:fld id="{8EE81423-CE7C-4B21-8B86-67C8CA0A38A2}" type="slidenum">
               <a:rPr lang="en-US" smtClean="0"/>
+              <a:pPr/>
               <a:t>6</a:t>
             </a:fld>
             <a:endParaRPr lang="en-US"/>
@@ -721,6 +724,7 @@
           <a:p>
             <a:fld id="{ED15D36E-1C9A-465B-959E-7AC6DC191DB5}" type="datetimeFigureOut">
               <a:rPr lang="en-US" smtClean="0"/>
+              <a:pPr/>
               <a:t>8/28/2025</a:t>
             </a:fld>
             <a:endParaRPr lang="en-US"/>
@@ -763,6 +767,7 @@
           <a:p>
             <a:fld id="{5D2DC1FA-B626-4709-976A-85725DE9BBBC}" type="slidenum">
               <a:rPr lang="en-US" smtClean="0"/>
+              <a:pPr/>
               <a:t>‹#›</a:t>
             </a:fld>
             <a:endParaRPr lang="en-US"/>
@@ -886,6 +891,7 @@
           <a:p>
             <a:fld id="{ED15D36E-1C9A-465B-959E-7AC6DC191DB5}" type="datetimeFigureOut">
               <a:rPr lang="en-US" smtClean="0"/>
+              <a:pPr/>
               <a:t>8/28/2025</a:t>
             </a:fld>
             <a:endParaRPr lang="en-US"/>
@@ -928,6 +934,7 @@
           <a:p>
             <a:fld id="{5D2DC1FA-B626-4709-976A-85725DE9BBBC}" type="slidenum">
               <a:rPr lang="en-US" smtClean="0"/>
+              <a:pPr/>
               <a:t>‹#›</a:t>
             </a:fld>
             <a:endParaRPr lang="en-US"/>
@@ -1061,6 +1068,7 @@
           <a:p>
             <a:fld id="{ED15D36E-1C9A-465B-959E-7AC6DC191DB5}" type="datetimeFigureOut">
               <a:rPr lang="en-US" smtClean="0"/>
+              <a:pPr/>
               <a:t>8/28/2025</a:t>
             </a:fld>
             <a:endParaRPr lang="en-US"/>
@@ -1103,6 +1111,7 @@
           <a:p>
             <a:fld id="{5D2DC1FA-B626-4709-976A-85725DE9BBBC}" type="slidenum">
               <a:rPr lang="en-US" smtClean="0"/>
+              <a:pPr/>
               <a:t>‹#›</a:t>
             </a:fld>
             <a:endParaRPr lang="en-US"/>
@@ -1226,6 +1235,7 @@
           <a:p>
             <a:fld id="{ED15D36E-1C9A-465B-959E-7AC6DC191DB5}" type="datetimeFigureOut">
               <a:rPr lang="en-US" smtClean="0"/>
+              <a:pPr/>
               <a:t>8/28/2025</a:t>
             </a:fld>
             <a:endParaRPr lang="en-US"/>
@@ -1268,6 +1278,7 @@
           <a:p>
             <a:fld id="{5D2DC1FA-B626-4709-976A-85725DE9BBBC}" type="slidenum">
               <a:rPr lang="en-US" smtClean="0"/>
+              <a:pPr/>
               <a:t>‹#›</a:t>
             </a:fld>
             <a:endParaRPr lang="en-US"/>
@@ -1468,6 +1479,7 @@
           <a:p>
             <a:fld id="{ED15D36E-1C9A-465B-959E-7AC6DC191DB5}" type="datetimeFigureOut">
               <a:rPr lang="en-US" smtClean="0"/>
+              <a:pPr/>
               <a:t>8/28/2025</a:t>
             </a:fld>
             <a:endParaRPr lang="en-US"/>
@@ -1510,6 +1522,7 @@
           <a:p>
             <a:fld id="{5D2DC1FA-B626-4709-976A-85725DE9BBBC}" type="slidenum">
               <a:rPr lang="en-US" smtClean="0"/>
+              <a:pPr/>
               <a:t>‹#›</a:t>
             </a:fld>
             <a:endParaRPr lang="en-US"/>
@@ -1732,6 +1745,7 @@
           <a:p>
             <a:fld id="{ED15D36E-1C9A-465B-959E-7AC6DC191DB5}" type="datetimeFigureOut">
               <a:rPr lang="en-US" smtClean="0"/>
+              <a:pPr/>
               <a:t>8/28/2025</a:t>
             </a:fld>
             <a:endParaRPr lang="en-US"/>
@@ -1774,6 +1788,7 @@
           <a:p>
             <a:fld id="{5D2DC1FA-B626-4709-976A-85725DE9BBBC}" type="slidenum">
               <a:rPr lang="en-US" smtClean="0"/>
+              <a:pPr/>
               <a:t>‹#›</a:t>
             </a:fld>
             <a:endParaRPr lang="en-US"/>
@@ -2110,6 +2125,7 @@
           <a:p>
             <a:fld id="{ED15D36E-1C9A-465B-959E-7AC6DC191DB5}" type="datetimeFigureOut">
               <a:rPr lang="en-US" smtClean="0"/>
+              <a:pPr/>
               <a:t>8/28/2025</a:t>
             </a:fld>
             <a:endParaRPr lang="en-US"/>
@@ -2152,6 +2168,7 @@
           <a:p>
             <a:fld id="{5D2DC1FA-B626-4709-976A-85725DE9BBBC}" type="slidenum">
               <a:rPr lang="en-US" smtClean="0"/>
+              <a:pPr/>
               <a:t>‹#›</a:t>
             </a:fld>
             <a:endParaRPr lang="en-US"/>
@@ -2260,6 +2277,7 @@
           <a:p>
             <a:fld id="{ED15D36E-1C9A-465B-959E-7AC6DC191DB5}" type="datetimeFigureOut">
               <a:rPr lang="en-US" smtClean="0"/>
+              <a:pPr/>
               <a:t>8/28/2025</a:t>
             </a:fld>
             <a:endParaRPr lang="en-US"/>
@@ -2302,6 +2320,7 @@
           <a:p>
             <a:fld id="{5D2DC1FA-B626-4709-976A-85725DE9BBBC}" type="slidenum">
               <a:rPr lang="en-US" smtClean="0"/>
+              <a:pPr/>
               <a:t>‹#›</a:t>
             </a:fld>
             <a:endParaRPr lang="en-US"/>
@@ -2350,6 +2369,7 @@
           <a:p>
             <a:fld id="{ED15D36E-1C9A-465B-959E-7AC6DC191DB5}" type="datetimeFigureOut">
               <a:rPr lang="en-US" smtClean="0"/>
+              <a:pPr/>
               <a:t>8/28/2025</a:t>
             </a:fld>
             <a:endParaRPr lang="en-US"/>
@@ -2392,6 +2412,7 @@
           <a:p>
             <a:fld id="{5D2DC1FA-B626-4709-976A-85725DE9BBBC}" type="slidenum">
               <a:rPr lang="en-US" smtClean="0"/>
+              <a:pPr/>
               <a:t>‹#›</a:t>
             </a:fld>
             <a:endParaRPr lang="en-US"/>
@@ -2611,6 +2632,7 @@
           <a:p>
             <a:fld id="{ED15D36E-1C9A-465B-959E-7AC6DC191DB5}" type="datetimeFigureOut">
               <a:rPr lang="en-US" smtClean="0"/>
+              <a:pPr/>
               <a:t>8/28/2025</a:t>
             </a:fld>
             <a:endParaRPr lang="en-US"/>
@@ -2653,6 +2675,7 @@
           <a:p>
             <a:fld id="{5D2DC1FA-B626-4709-976A-85725DE9BBBC}" type="slidenum">
               <a:rPr lang="en-US" smtClean="0"/>
+              <a:pPr/>
               <a:t>‹#›</a:t>
             </a:fld>
             <a:endParaRPr lang="en-US"/>
@@ -2899,6 +2922,7 @@
           <a:p>
             <a:fld id="{ED15D36E-1C9A-465B-959E-7AC6DC191DB5}" type="datetimeFigureOut">
               <a:rPr lang="en-US" smtClean="0"/>
+              <a:pPr/>
               <a:t>8/28/2025</a:t>
             </a:fld>
             <a:endParaRPr lang="en-US"/>
@@ -2946,6 +2970,7 @@
           <a:p>
             <a:fld id="{5D2DC1FA-B626-4709-976A-85725DE9BBBC}" type="slidenum">
               <a:rPr lang="en-US" smtClean="0"/>
+              <a:pPr/>
               <a:t>‹#›</a:t>
             </a:fld>
             <a:endParaRPr lang="en-US"/>
@@ -3670,6 +3695,7 @@
           <a:p>
             <a:fld id="{ED15D36E-1C9A-465B-959E-7AC6DC191DB5}" type="datetimeFigureOut">
               <a:rPr lang="en-US" smtClean="0"/>
+              <a:pPr/>
               <a:t>8/28/2025</a:t>
             </a:fld>
             <a:endParaRPr lang="en-US"/>
@@ -3748,6 +3774,7 @@
           <a:p>
             <a:fld id="{5D2DC1FA-B626-4709-976A-85725DE9BBBC}" type="slidenum">
               <a:rPr lang="en-US" smtClean="0"/>
+              <a:pPr/>
               <a:t>‹#›</a:t>
             </a:fld>
             <a:endParaRPr lang="en-US"/>
@@ -4618,6 +4645,34 @@
           <a:bodyPr/>
           <a:lstStyle/>
           <a:p>
+            <a:pPr>
+              <a:buNone/>
+            </a:pPr>
+            <a:r>
+              <a:rPr lang="en-US" dirty="0" smtClean="0"/>
+              <a:t>    </a:t>
+            </a:r>
+          </a:p>
+          <a:p>
+            <a:pPr>
+              <a:buNone/>
+            </a:pPr>
+            <a:endParaRPr lang="en-US" dirty="0" smtClean="0"/>
+          </a:p>
+          <a:p>
+            <a:pPr>
+              <a:buNone/>
+            </a:pPr>
+            <a:r>
+              <a:rPr lang="en-US" smtClean="0"/>
+              <a:t>   </a:t>
+            </a:r>
+            <a:r>
+              <a:rPr lang="en-US" smtClean="0">
+                <a:hlinkClick r:id="rId2" action="ppaction://hlinkpres?slideindex=1&amp;slidetitle="/>
+              </a:rPr>
+              <a:t>https://github.com/mehersirajsiraj-code/Vasina.git</a:t>
+            </a:r>
             <a:endParaRPr lang="en-US" dirty="0"/>
           </a:p>
         </p:txBody>
@@ -5608,25 +5663,29 @@
           </a:p>
         </p:txBody>
       </p:sp>
-      <p:sp>
-        <p:nvSpPr>
-          <p:cNvPr id="3" name="Content Placeholder 2"/>
-          <p:cNvSpPr>
-            <a:spLocks noGrp="1"/>
-          </p:cNvSpPr>
+      <p:pic>
+        <p:nvPicPr>
+          <p:cNvPr id="4" name="Content Placeholder 3" descr="7789.jpg"/>
+          <p:cNvPicPr>
+            <a:picLocks noGrp="1" noChangeAspect="1"/>
+          </p:cNvPicPr>
           <p:nvPr>
             <p:ph idx="1"/>
           </p:nvPr>
-        </p:nvSpPr>
-        <p:spPr/>
-        <p:txBody>
-          <a:bodyPr/>
-          <a:lstStyle/>
-          <a:p>
-            <a:endParaRPr lang="en-US" dirty="0"/>
-          </a:p>
-        </p:txBody>
-      </p:sp>
+        </p:nvPicPr>
+        <p:blipFill>
+          <a:blip r:embed="rId2"/>
+          <a:stretch>
+            <a:fillRect/>
+          </a:stretch>
+        </p:blipFill>
+        <p:spPr>
+          <a:xfrm>
+            <a:off x="1857356" y="2214554"/>
+            <a:ext cx="5338504" cy="4103685"/>
+          </a:xfrm>
+        </p:spPr>
+      </p:pic>
     </p:spTree>
   </p:cSld>
   <p:clrMapOvr>

--- a/ppt.pptx
+++ b/ppt.pptx
@@ -203,7 +203,7 @@
             <a:fld id="{2C40A883-D45C-4171-8044-165CA5B0C12A}" type="datetimeFigureOut">
               <a:rPr lang="en-US" smtClean="0"/>
               <a:pPr/>
-              <a:t>8/28/2025</a:t>
+              <a:t>8/29/2025</a:t>
             </a:fld>
             <a:endParaRPr lang="en-US"/>
           </a:p>
@@ -725,7 +725,7 @@
             <a:fld id="{ED15D36E-1C9A-465B-959E-7AC6DC191DB5}" type="datetimeFigureOut">
               <a:rPr lang="en-US" smtClean="0"/>
               <a:pPr/>
-              <a:t>8/28/2025</a:t>
+              <a:t>8/29/2025</a:t>
             </a:fld>
             <a:endParaRPr lang="en-US"/>
           </a:p>
@@ -892,7 +892,7 @@
             <a:fld id="{ED15D36E-1C9A-465B-959E-7AC6DC191DB5}" type="datetimeFigureOut">
               <a:rPr lang="en-US" smtClean="0"/>
               <a:pPr/>
-              <a:t>8/28/2025</a:t>
+              <a:t>8/29/2025</a:t>
             </a:fld>
             <a:endParaRPr lang="en-US"/>
           </a:p>
@@ -1069,7 +1069,7 @@
             <a:fld id="{ED15D36E-1C9A-465B-959E-7AC6DC191DB5}" type="datetimeFigureOut">
               <a:rPr lang="en-US" smtClean="0"/>
               <a:pPr/>
-              <a:t>8/28/2025</a:t>
+              <a:t>8/29/2025</a:t>
             </a:fld>
             <a:endParaRPr lang="en-US"/>
           </a:p>
@@ -1236,7 +1236,7 @@
             <a:fld id="{ED15D36E-1C9A-465B-959E-7AC6DC191DB5}" type="datetimeFigureOut">
               <a:rPr lang="en-US" smtClean="0"/>
               <a:pPr/>
-              <a:t>8/28/2025</a:t>
+              <a:t>8/29/2025</a:t>
             </a:fld>
             <a:endParaRPr lang="en-US"/>
           </a:p>
@@ -1480,7 +1480,7 @@
             <a:fld id="{ED15D36E-1C9A-465B-959E-7AC6DC191DB5}" type="datetimeFigureOut">
               <a:rPr lang="en-US" smtClean="0"/>
               <a:pPr/>
-              <a:t>8/28/2025</a:t>
+              <a:t>8/29/2025</a:t>
             </a:fld>
             <a:endParaRPr lang="en-US"/>
           </a:p>
@@ -1746,7 +1746,7 @@
             <a:fld id="{ED15D36E-1C9A-465B-959E-7AC6DC191DB5}" type="datetimeFigureOut">
               <a:rPr lang="en-US" smtClean="0"/>
               <a:pPr/>
-              <a:t>8/28/2025</a:t>
+              <a:t>8/29/2025</a:t>
             </a:fld>
             <a:endParaRPr lang="en-US"/>
           </a:p>
@@ -2126,7 +2126,7 @@
             <a:fld id="{ED15D36E-1C9A-465B-959E-7AC6DC191DB5}" type="datetimeFigureOut">
               <a:rPr lang="en-US" smtClean="0"/>
               <a:pPr/>
-              <a:t>8/28/2025</a:t>
+              <a:t>8/29/2025</a:t>
             </a:fld>
             <a:endParaRPr lang="en-US"/>
           </a:p>
@@ -2278,7 +2278,7 @@
             <a:fld id="{ED15D36E-1C9A-465B-959E-7AC6DC191DB5}" type="datetimeFigureOut">
               <a:rPr lang="en-US" smtClean="0"/>
               <a:pPr/>
-              <a:t>8/28/2025</a:t>
+              <a:t>8/29/2025</a:t>
             </a:fld>
             <a:endParaRPr lang="en-US"/>
           </a:p>
@@ -2370,7 +2370,7 @@
             <a:fld id="{ED15D36E-1C9A-465B-959E-7AC6DC191DB5}" type="datetimeFigureOut">
               <a:rPr lang="en-US" smtClean="0"/>
               <a:pPr/>
-              <a:t>8/28/2025</a:t>
+              <a:t>8/29/2025</a:t>
             </a:fld>
             <a:endParaRPr lang="en-US"/>
           </a:p>
@@ -2633,7 +2633,7 @@
             <a:fld id="{ED15D36E-1C9A-465B-959E-7AC6DC191DB5}" type="datetimeFigureOut">
               <a:rPr lang="en-US" smtClean="0"/>
               <a:pPr/>
-              <a:t>8/28/2025</a:t>
+              <a:t>8/29/2025</a:t>
             </a:fld>
             <a:endParaRPr lang="en-US"/>
           </a:p>
@@ -2923,7 +2923,7 @@
             <a:fld id="{ED15D36E-1C9A-465B-959E-7AC6DC191DB5}" type="datetimeFigureOut">
               <a:rPr lang="en-US" smtClean="0"/>
               <a:pPr/>
-              <a:t>8/28/2025</a:t>
+              <a:t>8/29/2025</a:t>
             </a:fld>
             <a:endParaRPr lang="en-US"/>
           </a:p>
@@ -3696,7 +3696,7 @@
             <a:fld id="{ED15D36E-1C9A-465B-959E-7AC6DC191DB5}" type="datetimeFigureOut">
               <a:rPr lang="en-US" smtClean="0"/>
               <a:pPr/>
-              <a:t>8/28/2025</a:t>
+              <a:t>8/29/2025</a:t>
             </a:fld>
             <a:endParaRPr lang="en-US"/>
           </a:p>
@@ -4753,6 +4753,51 @@
           </a:p>
         </p:txBody>
       </p:sp>
+      <p:pic>
+        <p:nvPicPr>
+          <p:cNvPr id="4" name="Picture 3" descr="458.jpg"/>
+          <p:cNvPicPr>
+            <a:picLocks noChangeAspect="1"/>
+          </p:cNvPicPr>
+          <p:nvPr/>
+        </p:nvPicPr>
+        <p:blipFill>
+          <a:blip r:embed="rId2"/>
+          <a:stretch>
+            <a:fillRect/>
+          </a:stretch>
+        </p:blipFill>
+        <p:spPr>
+          <a:xfrm>
+            <a:off x="5643570" y="3571876"/>
+            <a:ext cx="3124200" cy="2643206"/>
+          </a:xfrm>
+          <a:prstGeom prst="roundRect">
+            <a:avLst>
+              <a:gd name="adj" fmla="val 8594"/>
+            </a:avLst>
+          </a:prstGeom>
+          <a:solidFill>
+            <a:srgbClr val="FFFFFF">
+              <a:shade val="85000"/>
+            </a:srgbClr>
+          </a:solidFill>
+          <a:ln>
+            <a:noFill/>
+          </a:ln>
+          <a:effectLst>
+            <a:reflection blurRad="12700" stA="38000" endPos="28000" dist="5000" dir="5400000" sy="-100000" algn="bl" rotWithShape="0"/>
+            <a:softEdge rad="31750"/>
+          </a:effectLst>
+          <a:scene3d>
+            <a:camera prst="orthographicFront"/>
+            <a:lightRig rig="threePt" dir="t"/>
+          </a:scene3d>
+          <a:sp3d>
+            <a:bevelT/>
+          </a:sp3d>
+        </p:spPr>
+      </p:pic>
     </p:spTree>
   </p:cSld>
   <p:clrMapOvr>
@@ -4944,9 +4989,22 @@
             <a:off x="5929322" y="928670"/>
             <a:ext cx="2190750" cy="2300289"/>
           </a:xfrm>
-          <a:prstGeom prst="rect">
-            <a:avLst/>
+          <a:prstGeom prst="roundRect">
+            <a:avLst>
+              <a:gd name="adj" fmla="val 8594"/>
+            </a:avLst>
           </a:prstGeom>
+          <a:solidFill>
+            <a:srgbClr val="FFFFFF">
+              <a:shade val="85000"/>
+            </a:srgbClr>
+          </a:solidFill>
+          <a:ln>
+            <a:noFill/>
+          </a:ln>
+          <a:effectLst>
+            <a:reflection blurRad="12700" stA="38000" endPos="28000" dist="5000" dir="5400000" sy="-100000" algn="bl" rotWithShape="0"/>
+          </a:effectLst>
         </p:spPr>
       </p:pic>
     </p:spTree>
@@ -5170,9 +5228,22 @@
             <a:off x="6215074" y="4143380"/>
             <a:ext cx="2143125" cy="2143125"/>
           </a:xfrm>
-          <a:prstGeom prst="rect">
-            <a:avLst/>
+          <a:prstGeom prst="roundRect">
+            <a:avLst>
+              <a:gd name="adj" fmla="val 8594"/>
+            </a:avLst>
           </a:prstGeom>
+          <a:solidFill>
+            <a:srgbClr val="FFFFFF">
+              <a:shade val="85000"/>
+            </a:srgbClr>
+          </a:solidFill>
+          <a:ln>
+            <a:noFill/>
+          </a:ln>
+          <a:effectLst>
+            <a:reflection blurRad="12700" stA="38000" endPos="28000" dist="5000" dir="5400000" sy="-100000" algn="bl" rotWithShape="0"/>
+          </a:effectLst>
         </p:spPr>
       </p:pic>
     </p:spTree>
@@ -5321,9 +5392,22 @@
             <a:off x="6572264" y="857232"/>
             <a:ext cx="2143125" cy="2143125"/>
           </a:xfrm>
-          <a:prstGeom prst="rect">
-            <a:avLst/>
+          <a:prstGeom prst="roundRect">
+            <a:avLst>
+              <a:gd name="adj" fmla="val 8594"/>
+            </a:avLst>
           </a:prstGeom>
+          <a:solidFill>
+            <a:srgbClr val="FFFFFF">
+              <a:shade val="85000"/>
+            </a:srgbClr>
+          </a:solidFill>
+          <a:ln>
+            <a:noFill/>
+          </a:ln>
+          <a:effectLst>
+            <a:reflection blurRad="12700" stA="38000" endPos="28000" dist="5000" dir="5400000" sy="-100000" algn="bl" rotWithShape="0"/>
+          </a:effectLst>
         </p:spPr>
       </p:pic>
     </p:spTree>
